--- a/files/Final_Project_APSC1.pptx
+++ b/files/Final_Project_APSC1.pptx
@@ -5,12 +5,13 @@
     <p:sldMasterId id="2147483648" r:id="rId1"/>
   </p:sldMasterIdLst>
   <p:notesMasterIdLst>
-    <p:notesMasterId r:id="rId5"/>
+    <p:notesMasterId r:id="rId6"/>
   </p:notesMasterIdLst>
   <p:sldIdLst>
     <p:sldId id="438" r:id="rId2"/>
     <p:sldId id="307" r:id="rId3"/>
-    <p:sldId id="318" r:id="rId4"/>
+    <p:sldId id="439" r:id="rId4"/>
+    <p:sldId id="318" r:id="rId5"/>
   </p:sldIdLst>
   <p:sldSz cx="12192000" cy="6858000"/>
   <p:notesSz cx="6858000" cy="9144000"/>
@@ -219,7 +220,7 @@
             <a:fld id="{DBB633C9-A3C0-4B65-8F4B-27A7DAFA3A42}" type="datetimeFigureOut">
               <a:rPr lang="en-US" smtClean="0"/>
               <a:pPr/>
-              <a:t>11/12/20</a:t>
+              <a:t>11/30/20</a:t>
             </a:fld>
             <a:endParaRPr lang="en-US"/>
           </a:p>
@@ -616,6 +617,10 @@
           <a:bodyPr/>
           <a:lstStyle/>
           <a:p>
+            <a:r>
+              <a:rPr lang="en-US" dirty="0" smtClean="0"/>
+              <a:t>Item 7</a:t>
+            </a:r>
             <a:endParaRPr lang="en-US" dirty="0"/>
           </a:p>
         </p:txBody>
@@ -718,153 +723,6 @@
               <a:tabLst/>
               <a:defRPr/>
             </a:pPr>
-            <a:r>
-              <a:rPr lang="en-US" dirty="0"/>
-              <a:t>Scale</a:t>
-            </a:r>
-            <a:r>
-              <a:rPr lang="en-US" baseline="0" dirty="0"/>
-              <a:t> the base designs and take it to patient-specific models</a:t>
-            </a:r>
-          </a:p>
-          <a:p>
-            <a:pPr marL="0" marR="0" indent="0" algn="l" defTabSz="914400" rtl="0" eaLnBrk="1" fontAlgn="auto" latinLnBrk="0" hangingPunct="1">
-              <a:lnSpc>
-                <a:spcPct val="100000"/>
-              </a:lnSpc>
-              <a:spcBef>
-                <a:spcPts val="0"/>
-              </a:spcBef>
-              <a:spcAft>
-                <a:spcPts val="0"/>
-              </a:spcAft>
-              <a:buClrTx/>
-              <a:buSzTx/>
-              <a:buFontTx/>
-              <a:buNone/>
-              <a:tabLst/>
-              <a:defRPr/>
-            </a:pPr>
-            <a:r>
-              <a:rPr lang="en-US" baseline="0" dirty="0">
-                <a:latin typeface="Arial" pitchFamily="34" charset="0"/>
-              </a:rPr>
-              <a:t>Trauma / facial injury == salvage broken pieces and put together with tiny screws ==</a:t>
-            </a:r>
-            <a:r>
-              <a:rPr lang="en-US" dirty="0">
-                <a:latin typeface="Arial" pitchFamily="34" charset="0"/>
-              </a:rPr>
-              <a:t>“craniofacial” or “maxillofacial” reconstruction</a:t>
-            </a:r>
-            <a:r>
-              <a:rPr lang="en-US" baseline="0" dirty="0">
-                <a:latin typeface="Arial" pitchFamily="34" charset="0"/>
-              </a:rPr>
-              <a:t> (keywords)</a:t>
-            </a:r>
-            <a:r>
-              <a:rPr lang="en-US" dirty="0">
-                <a:latin typeface="Arial" pitchFamily="34" charset="0"/>
-              </a:rPr>
-              <a:t> </a:t>
-            </a:r>
-          </a:p>
-          <a:p>
-            <a:pPr marL="0" marR="0" indent="0" algn="l" defTabSz="914400" rtl="0" eaLnBrk="1" fontAlgn="auto" latinLnBrk="0" hangingPunct="1">
-              <a:lnSpc>
-                <a:spcPct val="100000"/>
-              </a:lnSpc>
-              <a:spcBef>
-                <a:spcPts val="0"/>
-              </a:spcBef>
-              <a:spcAft>
-                <a:spcPts val="0"/>
-              </a:spcAft>
-              <a:buClrTx/>
-              <a:buSzTx/>
-              <a:buFontTx/>
-              <a:buNone/>
-              <a:tabLst/>
-              <a:defRPr/>
-            </a:pPr>
-            <a:r>
-              <a:rPr lang="en-US" dirty="0">
-                <a:latin typeface="Arial" pitchFamily="34" charset="0"/>
-              </a:rPr>
-              <a:t>Traditional == ceramic</a:t>
-            </a:r>
-            <a:r>
-              <a:rPr lang="en-US" baseline="0" dirty="0">
-                <a:latin typeface="Arial" pitchFamily="34" charset="0"/>
-              </a:rPr>
-              <a:t> or metal plates</a:t>
-            </a:r>
-          </a:p>
-          <a:p>
-            <a:pPr eaLnBrk="1" hangingPunct="1"/>
-            <a:r>
-              <a:rPr lang="en-US" baseline="0" dirty="0">
-                <a:latin typeface="Arial" pitchFamily="34" charset="0"/>
-              </a:rPr>
-              <a:t>Prosthesis == for cosmetic and functional recovery</a:t>
-            </a:r>
-          </a:p>
-          <a:p>
-            <a:pPr eaLnBrk="1" hangingPunct="1"/>
-            <a:r>
-              <a:rPr lang="en-US" baseline="0" dirty="0">
-                <a:latin typeface="Arial" pitchFamily="34" charset="0"/>
-              </a:rPr>
-              <a:t>New approach == Medical imaging data </a:t>
-            </a:r>
-            <a:r>
-              <a:rPr lang="en-US" baseline="0" dirty="0">
-                <a:latin typeface="Arial" pitchFamily="34" charset="0"/>
-                <a:sym typeface="Wingdings" panose="05000000000000000000" pitchFamily="2" charset="2"/>
-              </a:rPr>
-              <a:t> 3D printed implants  aide facial reconstruction</a:t>
-            </a:r>
-          </a:p>
-          <a:p>
-            <a:pPr eaLnBrk="1" hangingPunct="1"/>
-            <a:r>
-              <a:rPr lang="en-US" baseline="0" dirty="0">
-                <a:latin typeface="Arial" pitchFamily="34" charset="0"/>
-                <a:sym typeface="Wingdings" panose="05000000000000000000" pitchFamily="2" charset="2"/>
-              </a:rPr>
-              <a:t>Unpredictable nature of facial-related injuries .. Accidents </a:t>
-            </a:r>
-            <a:r>
-              <a:rPr lang="en-US" baseline="0" dirty="0" err="1">
-                <a:latin typeface="Arial" pitchFamily="34" charset="0"/>
-                <a:sym typeface="Wingdings" panose="05000000000000000000" pitchFamily="2" charset="2"/>
-              </a:rPr>
-              <a:t>etc</a:t>
-            </a:r>
-            <a:endParaRPr lang="en-US" baseline="0" dirty="0">
-              <a:latin typeface="Arial" pitchFamily="34" charset="0"/>
-              <a:sym typeface="Wingdings" panose="05000000000000000000" pitchFamily="2" charset="2"/>
-            </a:endParaRPr>
-          </a:p>
-          <a:p>
-            <a:pPr marL="0" marR="0" lvl="0" indent="0" algn="l" defTabSz="914400" rtl="0" eaLnBrk="1" fontAlgn="auto" latinLnBrk="0" hangingPunct="1">
-              <a:lnSpc>
-                <a:spcPct val="100000"/>
-              </a:lnSpc>
-              <a:spcBef>
-                <a:spcPts val="0"/>
-              </a:spcBef>
-              <a:spcAft>
-                <a:spcPts val="0"/>
-              </a:spcAft>
-              <a:buClrTx/>
-              <a:buSzTx/>
-              <a:buFontTx/>
-              <a:buNone/>
-              <a:tabLst/>
-              <a:defRPr/>
-            </a:pPr>
             <a:endParaRPr lang="en-US" dirty="0"/>
           </a:p>
           <a:p>
@@ -890,7 +748,7 @@
             <a:fld id="{5220EE65-5384-45C7-BF85-1105C46FB7B6}" type="slidenum">
               <a:rPr lang="en-US" smtClean="0"/>
               <a:pPr/>
-              <a:t>3</a:t>
+              <a:t>4</a:t>
             </a:fld>
             <a:endParaRPr lang="en-US"/>
           </a:p>
@@ -983,7 +841,7 @@
               <a:pPr>
                 <a:defRPr/>
               </a:pPr>
-              <a:t>11/12/20</a:t>
+              <a:t>11/30/20</a:t>
             </a:fld>
             <a:endParaRPr lang="en-US"/>
           </a:p>
@@ -1280,7 +1138,7 @@
               <a:pPr>
                 <a:defRPr/>
               </a:pPr>
-              <a:t>11/12/20</a:t>
+              <a:t>11/30/20</a:t>
             </a:fld>
             <a:endParaRPr lang="en-US"/>
           </a:p>
@@ -1530,7 +1388,7 @@
             <a:fld id="{19AB4D41-86C1-4908-B66A-0B50CEB3BF29}" type="datetimeFigureOut">
               <a:rPr lang="en-US" dirty="0"/>
               <a:pPr/>
-              <a:t>11/12/20</a:t>
+              <a:t>11/30/20</a:t>
             </a:fld>
             <a:endParaRPr lang="en-US" dirty="0"/>
           </a:p>
@@ -1906,7 +1764,7 @@
             <a:fld id="{E6426E2C-56C1-4E0D-A793-0088A7FDD37E}" type="datetimeFigureOut">
               <a:rPr lang="en-US" dirty="0"/>
               <a:pPr/>
-              <a:t>11/12/20</a:t>
+              <a:t>11/30/20</a:t>
             </a:fld>
             <a:endParaRPr lang="en-US" dirty="0"/>
           </a:p>
@@ -2021,7 +1879,7 @@
             <a:fld id="{C8C39B41-D8B5-4052-B551-9B5525EAA8B6}" type="datetimeFigureOut">
               <a:rPr lang="en-US" dirty="0"/>
               <a:pPr/>
-              <a:t>11/12/20</a:t>
+              <a:t>11/30/20</a:t>
             </a:fld>
             <a:endParaRPr lang="en-US" dirty="0"/>
           </a:p>
@@ -2189,7 +2047,7 @@
             <a:fld id="{4D94136C-8742-45B2-AF27-D93DF72833A9}" type="datetimeFigureOut">
               <a:rPr lang="en-US" dirty="0"/>
               <a:pPr/>
-              <a:t>11/12/20</a:t>
+              <a:t>11/30/20</a:t>
             </a:fld>
             <a:endParaRPr lang="en-US" dirty="0"/>
           </a:p>
@@ -2540,7 +2398,7 @@
             <a:fld id="{32ABBEA6-7C60-4B02-AE87-00D78D8422AF}" type="datetimeFigureOut">
               <a:rPr lang="en-US" dirty="0"/>
               <a:pPr/>
-              <a:t>11/12/20</a:t>
+              <a:t>11/30/20</a:t>
             </a:fld>
             <a:endParaRPr lang="en-US" dirty="0"/>
           </a:p>
@@ -2919,7 +2777,7 @@
             <a:fld id="{C9CAD897-D46E-4AD2-BD9B-49DD3E640873}" type="datetimeFigureOut">
               <a:rPr lang="en-US" dirty="0"/>
               <a:pPr/>
-              <a:t>11/12/20</a:t>
+              <a:t>11/30/20</a:t>
             </a:fld>
             <a:endParaRPr lang="en-US" dirty="0"/>
           </a:p>
@@ -3086,7 +2944,7 @@
             <a:fld id="{2E2D6473-DF6D-4702-B328-E0DD40540A4E}" type="datetimeFigureOut">
               <a:rPr lang="en-US" dirty="0"/>
               <a:pPr/>
-              <a:t>11/12/20</a:t>
+              <a:t>11/30/20</a:t>
             </a:fld>
             <a:endParaRPr lang="en-US" dirty="0"/>
           </a:p>
@@ -3339,7 +3197,7 @@
             <a:fld id="{E26F7E3A-B166-407D-9866-32884E7D5B37}" type="datetimeFigureOut">
               <a:rPr lang="en-US" dirty="0"/>
               <a:pPr/>
-              <a:t>11/12/20</a:t>
+              <a:t>11/30/20</a:t>
             </a:fld>
             <a:endParaRPr lang="en-US" dirty="0"/>
           </a:p>
@@ -3526,7 +3384,7 @@
           <p:cNvPr id="7" name="Picture 6">
             <a:extLst>
               <a:ext uri="{FF2B5EF4-FFF2-40B4-BE49-F238E27FC236}">
-                <a16:creationId xmlns:a16="http://schemas.microsoft.com/office/drawing/2014/main" xmlns="" id="{339F4D36-C6F7-4E33-997C-897140DF1D0E}"/>
+                <a16:creationId xmlns="" xmlns:a16="http://schemas.microsoft.com/office/drawing/2014/main" id="{339F4D36-C6F7-4E33-997C-897140DF1D0E}"/>
               </a:ext>
             </a:extLst>
           </p:cNvPr>
@@ -3877,7 +3735,7 @@
           <p:cNvPr id="13" name="TextBox 12">
             <a:extLst>
               <a:ext uri="{FF2B5EF4-FFF2-40B4-BE49-F238E27FC236}">
-                <a16:creationId xmlns:a16="http://schemas.microsoft.com/office/drawing/2014/main" xmlns="" id="{DE0A6587-8821-4107-9A84-7BB55CD1B618}"/>
+                <a16:creationId xmlns="" xmlns:a16="http://schemas.microsoft.com/office/drawing/2014/main" id="{DE0A6587-8821-4107-9A84-7BB55CD1B618}"/>
               </a:ext>
             </a:extLst>
           </p:cNvPr>
@@ -4013,7 +3871,7 @@
           <p:cNvPr id="9" name="Content Placeholder 8">
             <a:extLst>
               <a:ext uri="{FF2B5EF4-FFF2-40B4-BE49-F238E27FC236}">
-                <a16:creationId xmlns:a16="http://schemas.microsoft.com/office/drawing/2014/main" xmlns="" id="{DB4E59E8-8241-4AEB-9B33-BEC2AF03DF9B}"/>
+                <a16:creationId xmlns="" xmlns:a16="http://schemas.microsoft.com/office/drawing/2014/main" id="{DB4E59E8-8241-4AEB-9B33-BEC2AF03DF9B}"/>
               </a:ext>
             </a:extLst>
           </p:cNvPr>
@@ -4075,7 +3933,7 @@
           <p:cNvPr id="10" name="Picture 10">
             <a:extLst>
               <a:ext uri="{FF2B5EF4-FFF2-40B4-BE49-F238E27FC236}">
-                <a16:creationId xmlns:a16="http://schemas.microsoft.com/office/drawing/2014/main" xmlns="" id="{B9D3D9F8-5F1A-4D7A-9A5B-F63CA53D3F94}"/>
+                <a16:creationId xmlns="" xmlns:a16="http://schemas.microsoft.com/office/drawing/2014/main" id="{B9D3D9F8-5F1A-4D7A-9A5B-F63CA53D3F94}"/>
               </a:ext>
             </a:extLst>
           </p:cNvPr>
@@ -4135,7 +3993,7 @@
           <p:cNvPr id="11" name="Picture 12">
             <a:extLst>
               <a:ext uri="{FF2B5EF4-FFF2-40B4-BE49-F238E27FC236}">
-                <a16:creationId xmlns:a16="http://schemas.microsoft.com/office/drawing/2014/main" xmlns="" id="{8EDBEB2E-E39F-4D3F-BCAD-6E3D0571266B}"/>
+                <a16:creationId xmlns="" xmlns:a16="http://schemas.microsoft.com/office/drawing/2014/main" id="{8EDBEB2E-E39F-4D3F-BCAD-6E3D0571266B}"/>
               </a:ext>
             </a:extLst>
           </p:cNvPr>
@@ -4195,7 +4053,7 @@
           <p:cNvPr id="12" name="Picture 11">
             <a:extLst>
               <a:ext uri="{FF2B5EF4-FFF2-40B4-BE49-F238E27FC236}">
-                <a16:creationId xmlns:a16="http://schemas.microsoft.com/office/drawing/2014/main" xmlns="" id="{5C99AA54-E2AD-427C-8510-0FA093432BC8}"/>
+                <a16:creationId xmlns="" xmlns:a16="http://schemas.microsoft.com/office/drawing/2014/main" id="{5C99AA54-E2AD-427C-8510-0FA093432BC8}"/>
               </a:ext>
             </a:extLst>
           </p:cNvPr>
@@ -4309,7 +4167,7 @@
           <p:cNvPr id="9" name="Content Placeholder 8">
             <a:extLst>
               <a:ext uri="{FF2B5EF4-FFF2-40B4-BE49-F238E27FC236}">
-                <a16:creationId xmlns:a16="http://schemas.microsoft.com/office/drawing/2014/main" xmlns="" id="{DB4E59E8-8241-4AEB-9B33-BEC2AF03DF9B}"/>
+                <a16:creationId xmlns="" xmlns:a16="http://schemas.microsoft.com/office/drawing/2014/main" id="{DB4E59E8-8241-4AEB-9B33-BEC2AF03DF9B}"/>
               </a:ext>
             </a:extLst>
           </p:cNvPr>
@@ -4371,7 +4229,7 @@
           <p:cNvPr id="10" name="Picture 10">
             <a:extLst>
               <a:ext uri="{FF2B5EF4-FFF2-40B4-BE49-F238E27FC236}">
-                <a16:creationId xmlns:a16="http://schemas.microsoft.com/office/drawing/2014/main" xmlns="" id="{B9D3D9F8-5F1A-4D7A-9A5B-F63CA53D3F94}"/>
+                <a16:creationId xmlns="" xmlns:a16="http://schemas.microsoft.com/office/drawing/2014/main" id="{B9D3D9F8-5F1A-4D7A-9A5B-F63CA53D3F94}"/>
               </a:ext>
             </a:extLst>
           </p:cNvPr>
@@ -4431,7 +4289,7 @@
           <p:cNvPr id="11" name="Picture 12">
             <a:extLst>
               <a:ext uri="{FF2B5EF4-FFF2-40B4-BE49-F238E27FC236}">
-                <a16:creationId xmlns:a16="http://schemas.microsoft.com/office/drawing/2014/main" xmlns="" id="{8EDBEB2E-E39F-4D3F-BCAD-6E3D0571266B}"/>
+                <a16:creationId xmlns="" xmlns:a16="http://schemas.microsoft.com/office/drawing/2014/main" id="{8EDBEB2E-E39F-4D3F-BCAD-6E3D0571266B}"/>
               </a:ext>
             </a:extLst>
           </p:cNvPr>
@@ -4491,7 +4349,7 @@
           <p:cNvPr id="12" name="Picture 11">
             <a:extLst>
               <a:ext uri="{FF2B5EF4-FFF2-40B4-BE49-F238E27FC236}">
-                <a16:creationId xmlns:a16="http://schemas.microsoft.com/office/drawing/2014/main" xmlns="" id="{5C99AA54-E2AD-427C-8510-0FA093432BC8}"/>
+                <a16:creationId xmlns="" xmlns:a16="http://schemas.microsoft.com/office/drawing/2014/main" id="{5C99AA54-E2AD-427C-8510-0FA093432BC8}"/>
               </a:ext>
             </a:extLst>
           </p:cNvPr>
@@ -4564,7 +4422,7 @@
             <a:fld id="{98624D31-43A5-475A-80CF-332C9F6DCF35}" type="datetimeFigureOut">
               <a:rPr lang="en-US" smtClean="0"/>
               <a:pPr/>
-              <a:t>11/12/20</a:t>
+              <a:t>11/30/20</a:t>
             </a:fld>
             <a:endParaRPr lang="en-US" dirty="0"/>
           </a:p>
@@ -5124,7 +4982,7 @@
               <a:pPr>
                 <a:defRPr/>
               </a:pPr>
-              <a:t>11/12/20</a:t>
+              <a:t>11/30/20</a:t>
             </a:fld>
             <a:endParaRPr lang="en-US"/>
           </a:p>
@@ -5593,7 +5451,7 @@
               <a:pPr>
                 <a:defRPr/>
               </a:pPr>
-              <a:t>11/12/20</a:t>
+              <a:t>11/30/20</a:t>
             </a:fld>
             <a:endParaRPr lang="en-US"/>
           </a:p>
@@ -6034,7 +5892,7 @@
               <a:pPr>
                 <a:defRPr/>
               </a:pPr>
-              <a:t>11/12/20</a:t>
+              <a:t>11/30/20</a:t>
             </a:fld>
             <a:endParaRPr lang="en-US"/>
           </a:p>
@@ -6178,7 +6036,7 @@
               <a:pPr>
                 <a:defRPr/>
               </a:pPr>
-              <a:t>11/12/20</a:t>
+              <a:t>11/30/20</a:t>
             </a:fld>
             <a:endParaRPr lang="en-US"/>
           </a:p>
@@ -6402,7 +6260,7 @@
             <a:fld id="{98624D31-43A5-475A-80CF-332C9F6DCF35}" type="datetimeFigureOut">
               <a:rPr lang="en-US" dirty="0"/>
               <a:pPr/>
-              <a:t>11/12/20</a:t>
+              <a:t>11/30/20</a:t>
             </a:fld>
             <a:endParaRPr lang="en-US" dirty="0"/>
           </a:p>
@@ -6899,7 +6757,7 @@
           <p:cNvPr id="35" name="Picture 10">
             <a:extLst>
               <a:ext uri="{FF2B5EF4-FFF2-40B4-BE49-F238E27FC236}">
-                <a16:creationId xmlns:a16="http://schemas.microsoft.com/office/drawing/2014/main" xmlns="" id="{52AB241C-52E9-4BDA-BB33-31122894E54F}"/>
+                <a16:creationId xmlns="" xmlns:a16="http://schemas.microsoft.com/office/drawing/2014/main" id="{52AB241C-52E9-4BDA-BB33-31122894E54F}"/>
               </a:ext>
             </a:extLst>
           </p:cNvPr>
@@ -6923,7 +6781,7 @@
         </p:blipFill>
         <p:spPr bwMode="auto">
           <a:xfrm>
-            <a:off x="8175743" y="5351744"/>
+            <a:off x="8375768" y="5556307"/>
             <a:ext cx="3541069" cy="1049206"/>
           </a:xfrm>
           <a:prstGeom prst="rect">
@@ -6962,7 +6820,7 @@
           <p:cNvPr id="36" name="Picture 12">
             <a:extLst>
               <a:ext uri="{FF2B5EF4-FFF2-40B4-BE49-F238E27FC236}">
-                <a16:creationId xmlns:a16="http://schemas.microsoft.com/office/drawing/2014/main" xmlns="" id="{A4C96608-ED72-4788-91E0-42FFECAA535D}"/>
+                <a16:creationId xmlns="" xmlns:a16="http://schemas.microsoft.com/office/drawing/2014/main" id="{A4C96608-ED72-4788-91E0-42FFECAA535D}"/>
               </a:ext>
             </a:extLst>
           </p:cNvPr>
@@ -7022,7 +6880,7 @@
           <p:cNvPr id="44" name="Rectangle 43">
             <a:extLst>
               <a:ext uri="{FF2B5EF4-FFF2-40B4-BE49-F238E27FC236}">
-                <a16:creationId xmlns:a16="http://schemas.microsoft.com/office/drawing/2014/main" xmlns="" id="{82F20698-E78B-4CE3-B501-B502C313A300}"/>
+                <a16:creationId xmlns="" xmlns:a16="http://schemas.microsoft.com/office/drawing/2014/main" id="{82F20698-E78B-4CE3-B501-B502C313A300}"/>
               </a:ext>
             </a:extLst>
           </p:cNvPr>
@@ -7073,7 +6931,7 @@
           <p:cNvPr id="6" name="TextBox 5">
             <a:extLst>
               <a:ext uri="{FF2B5EF4-FFF2-40B4-BE49-F238E27FC236}">
-                <a16:creationId xmlns:a16="http://schemas.microsoft.com/office/drawing/2014/main" xmlns="" id="{98540A2D-FF5D-4FE3-BD46-925B9726FCE7}"/>
+                <a16:creationId xmlns="" xmlns:a16="http://schemas.microsoft.com/office/drawing/2014/main" id="{98540A2D-FF5D-4FE3-BD46-925B9726FCE7}"/>
               </a:ext>
             </a:extLst>
           </p:cNvPr>
@@ -7108,7 +6966,7 @@
           <p:cNvPr id="7" name="TextBox 6">
             <a:extLst>
               <a:ext uri="{FF2B5EF4-FFF2-40B4-BE49-F238E27FC236}">
-                <a16:creationId xmlns:a16="http://schemas.microsoft.com/office/drawing/2014/main" xmlns="" id="{8472D6E4-8B45-4B13-B90E-FF2A1F4D9422}"/>
+                <a16:creationId xmlns="" xmlns:a16="http://schemas.microsoft.com/office/drawing/2014/main" id="{8472D6E4-8B45-4B13-B90E-FF2A1F4D9422}"/>
               </a:ext>
             </a:extLst>
           </p:cNvPr>
@@ -7204,7 +7062,7 @@
           <p:cNvPr id="12" name="Rectangle 11">
             <a:extLst>
               <a:ext uri="{FF2B5EF4-FFF2-40B4-BE49-F238E27FC236}">
-                <a16:creationId xmlns:a16="http://schemas.microsoft.com/office/drawing/2014/main" xmlns="" id="{C6B132E3-7ED3-45E1-9E1C-178B6D860E9F}"/>
+                <a16:creationId xmlns="" xmlns:a16="http://schemas.microsoft.com/office/drawing/2014/main" id="{C6B132E3-7ED3-45E1-9E1C-178B6D860E9F}"/>
               </a:ext>
             </a:extLst>
           </p:cNvPr>
@@ -7258,7 +7116,7 @@
           <p:cNvPr id="13" name="Rectangle 12">
             <a:extLst>
               <a:ext uri="{FF2B5EF4-FFF2-40B4-BE49-F238E27FC236}">
-                <a16:creationId xmlns:a16="http://schemas.microsoft.com/office/drawing/2014/main" xmlns="" id="{CB999CA3-165B-46B1-AB22-C36A73161539}"/>
+                <a16:creationId xmlns="" xmlns:a16="http://schemas.microsoft.com/office/drawing/2014/main" id="{CB999CA3-165B-46B1-AB22-C36A73161539}"/>
               </a:ext>
             </a:extLst>
           </p:cNvPr>
@@ -7312,7 +7170,7 @@
           <p:cNvPr id="14" name="Rectangle 13">
             <a:extLst>
               <a:ext uri="{FF2B5EF4-FFF2-40B4-BE49-F238E27FC236}">
-                <a16:creationId xmlns:a16="http://schemas.microsoft.com/office/drawing/2014/main" xmlns="" id="{DE3C4B6C-2E82-4832-92F4-9AAF232C9C03}"/>
+                <a16:creationId xmlns="" xmlns:a16="http://schemas.microsoft.com/office/drawing/2014/main" id="{DE3C4B6C-2E82-4832-92F4-9AAF232C9C03}"/>
               </a:ext>
             </a:extLst>
           </p:cNvPr>
@@ -7366,7 +7224,7 @@
           <p:cNvPr id="15" name="Rectangle 14">
             <a:extLst>
               <a:ext uri="{FF2B5EF4-FFF2-40B4-BE49-F238E27FC236}">
-                <a16:creationId xmlns:a16="http://schemas.microsoft.com/office/drawing/2014/main" xmlns="" id="{90FFC346-CD44-437C-84D4-B5BEE4483AD1}"/>
+                <a16:creationId xmlns="" xmlns:a16="http://schemas.microsoft.com/office/drawing/2014/main" id="{90FFC346-CD44-437C-84D4-B5BEE4483AD1}"/>
               </a:ext>
             </a:extLst>
           </p:cNvPr>
@@ -7420,7 +7278,7 @@
           <p:cNvPr id="16" name="TextBox 15">
             <a:extLst>
               <a:ext uri="{FF2B5EF4-FFF2-40B4-BE49-F238E27FC236}">
-                <a16:creationId xmlns:a16="http://schemas.microsoft.com/office/drawing/2014/main" xmlns="" id="{79026DDE-6C9D-4049-998F-B9AC91BFF1B4}"/>
+                <a16:creationId xmlns="" xmlns:a16="http://schemas.microsoft.com/office/drawing/2014/main" id="{79026DDE-6C9D-4049-998F-B9AC91BFF1B4}"/>
               </a:ext>
             </a:extLst>
           </p:cNvPr>
@@ -7455,7 +7313,7 @@
           <p:cNvPr id="17" name="TextBox 16">
             <a:extLst>
               <a:ext uri="{FF2B5EF4-FFF2-40B4-BE49-F238E27FC236}">
-                <a16:creationId xmlns:a16="http://schemas.microsoft.com/office/drawing/2014/main" xmlns="" id="{4543148A-4FAF-4C50-A899-C8D4EAD0D9FF}"/>
+                <a16:creationId xmlns="" xmlns:a16="http://schemas.microsoft.com/office/drawing/2014/main" id="{4543148A-4FAF-4C50-A899-C8D4EAD0D9FF}"/>
               </a:ext>
             </a:extLst>
           </p:cNvPr>
@@ -7490,7 +7348,7 @@
           <p:cNvPr id="18" name="TextBox 17">
             <a:extLst>
               <a:ext uri="{FF2B5EF4-FFF2-40B4-BE49-F238E27FC236}">
-                <a16:creationId xmlns:a16="http://schemas.microsoft.com/office/drawing/2014/main" xmlns="" id="{EC89B545-14FD-47DD-99F8-E84383CC7C71}"/>
+                <a16:creationId xmlns="" xmlns:a16="http://schemas.microsoft.com/office/drawing/2014/main" id="{EC89B545-14FD-47DD-99F8-E84383CC7C71}"/>
               </a:ext>
             </a:extLst>
           </p:cNvPr>
@@ -7525,7 +7383,7 @@
           <p:cNvPr id="19" name="TextBox 18">
             <a:extLst>
               <a:ext uri="{FF2B5EF4-FFF2-40B4-BE49-F238E27FC236}">
-                <a16:creationId xmlns:a16="http://schemas.microsoft.com/office/drawing/2014/main" xmlns="" id="{6512CB10-FF02-4F21-BCB7-240A7D604A83}"/>
+                <a16:creationId xmlns="" xmlns:a16="http://schemas.microsoft.com/office/drawing/2014/main" id="{6512CB10-FF02-4F21-BCB7-240A7D604A83}"/>
               </a:ext>
             </a:extLst>
           </p:cNvPr>
@@ -7560,7 +7418,7 @@
           <p:cNvPr id="20" name="TextBox 19">
             <a:extLst>
               <a:ext uri="{FF2B5EF4-FFF2-40B4-BE49-F238E27FC236}">
-                <a16:creationId xmlns:a16="http://schemas.microsoft.com/office/drawing/2014/main" xmlns="" id="{C9424086-0841-4F59-906E-FF5AE3903B1A}"/>
+                <a16:creationId xmlns="" xmlns:a16="http://schemas.microsoft.com/office/drawing/2014/main" id="{C9424086-0841-4F59-906E-FF5AE3903B1A}"/>
               </a:ext>
             </a:extLst>
           </p:cNvPr>
@@ -7595,7 +7453,7 @@
           <p:cNvPr id="21" name="TextBox 20">
             <a:extLst>
               <a:ext uri="{FF2B5EF4-FFF2-40B4-BE49-F238E27FC236}">
-                <a16:creationId xmlns:a16="http://schemas.microsoft.com/office/drawing/2014/main" xmlns="" id="{38CD8BF5-AB2B-4833-B707-9C78D470E90A}"/>
+                <a16:creationId xmlns="" xmlns:a16="http://schemas.microsoft.com/office/drawing/2014/main" id="{38CD8BF5-AB2B-4833-B707-9C78D470E90A}"/>
               </a:ext>
             </a:extLst>
           </p:cNvPr>
@@ -7630,7 +7488,7 @@
           <p:cNvPr id="22" name="TextBox 21">
             <a:extLst>
               <a:ext uri="{FF2B5EF4-FFF2-40B4-BE49-F238E27FC236}">
-                <a16:creationId xmlns:a16="http://schemas.microsoft.com/office/drawing/2014/main" xmlns="" id="{941BAF7A-AC5B-4E91-B31B-E0971F9FC88A}"/>
+                <a16:creationId xmlns="" xmlns:a16="http://schemas.microsoft.com/office/drawing/2014/main" id="{941BAF7A-AC5B-4E91-B31B-E0971F9FC88A}"/>
               </a:ext>
             </a:extLst>
           </p:cNvPr>
@@ -7665,7 +7523,7 @@
           <p:cNvPr id="23" name="TextBox 22">
             <a:extLst>
               <a:ext uri="{FF2B5EF4-FFF2-40B4-BE49-F238E27FC236}">
-                <a16:creationId xmlns:a16="http://schemas.microsoft.com/office/drawing/2014/main" xmlns="" id="{C0C9B438-7F7C-45DB-B0D0-870D07AFACBE}"/>
+                <a16:creationId xmlns="" xmlns:a16="http://schemas.microsoft.com/office/drawing/2014/main" id="{C0C9B438-7F7C-45DB-B0D0-870D07AFACBE}"/>
               </a:ext>
             </a:extLst>
           </p:cNvPr>
@@ -7700,7 +7558,7 @@
           <p:cNvPr id="24" name="TextBox 23">
             <a:extLst>
               <a:ext uri="{FF2B5EF4-FFF2-40B4-BE49-F238E27FC236}">
-                <a16:creationId xmlns:a16="http://schemas.microsoft.com/office/drawing/2014/main" xmlns="" id="{AB556B31-4F40-4DEB-850A-18F7D42B18BA}"/>
+                <a16:creationId xmlns="" xmlns:a16="http://schemas.microsoft.com/office/drawing/2014/main" id="{AB556B31-4F40-4DEB-850A-18F7D42B18BA}"/>
               </a:ext>
             </a:extLst>
           </p:cNvPr>
@@ -7735,7 +7593,7 @@
           <p:cNvPr id="25" name="TextBox 24">
             <a:extLst>
               <a:ext uri="{FF2B5EF4-FFF2-40B4-BE49-F238E27FC236}">
-                <a16:creationId xmlns:a16="http://schemas.microsoft.com/office/drawing/2014/main" xmlns="" id="{A89EEFEA-23F0-4F3E-A9FF-5715DC7B089F}"/>
+                <a16:creationId xmlns="" xmlns:a16="http://schemas.microsoft.com/office/drawing/2014/main" id="{A89EEFEA-23F0-4F3E-A9FF-5715DC7B089F}"/>
               </a:ext>
             </a:extLst>
           </p:cNvPr>
@@ -7770,7 +7628,7 @@
           <p:cNvPr id="26" name="TextBox 25">
             <a:extLst>
               <a:ext uri="{FF2B5EF4-FFF2-40B4-BE49-F238E27FC236}">
-                <a16:creationId xmlns:a16="http://schemas.microsoft.com/office/drawing/2014/main" xmlns="" id="{6045AEB7-8385-47F7-90CF-E65169154EA9}"/>
+                <a16:creationId xmlns="" xmlns:a16="http://schemas.microsoft.com/office/drawing/2014/main" id="{6045AEB7-8385-47F7-90CF-E65169154EA9}"/>
               </a:ext>
             </a:extLst>
           </p:cNvPr>
@@ -7797,6 +7655,90 @@
               <a:rPr lang="en-US" sz="2400" dirty="0"/>
               <a:t>HEART-HUMANITY</a:t>
             </a:r>
+          </a:p>
+        </p:txBody>
+      </p:sp>
+      <p:sp>
+        <p:nvSpPr>
+          <p:cNvPr id="6" name="Rectangle 5"/>
+          <p:cNvSpPr/>
+          <p:nvPr/>
+        </p:nvSpPr>
+        <p:spPr>
+          <a:xfrm>
+            <a:off x="11255831" y="6435306"/>
+            <a:ext cx="665875" cy="258792"/>
+          </a:xfrm>
+          <a:prstGeom prst="rect">
+            <a:avLst/>
+          </a:prstGeom>
+          <a:solidFill>
+            <a:schemeClr val="bg1"/>
+          </a:solidFill>
+          <a:ln>
+            <a:noFill/>
+          </a:ln>
+        </p:spPr>
+        <p:style>
+          <a:lnRef idx="2">
+            <a:schemeClr val="accent1">
+              <a:shade val="50000"/>
+            </a:schemeClr>
+          </a:lnRef>
+          <a:fillRef idx="1">
+            <a:schemeClr val="accent1"/>
+          </a:fillRef>
+          <a:effectRef idx="0">
+            <a:schemeClr val="accent1"/>
+          </a:effectRef>
+          <a:fontRef idx="minor">
+            <a:schemeClr val="lt1"/>
+          </a:fontRef>
+        </p:style>
+        <p:txBody>
+          <a:bodyPr rtlCol="0" anchor="ctr"/>
+          <a:lstStyle/>
+          <a:p>
+            <a:pPr algn="ctr"/>
+            <a:endParaRPr lang="en-US"/>
+          </a:p>
+        </p:txBody>
+      </p:sp>
+      <p:sp>
+        <p:nvSpPr>
+          <p:cNvPr id="7" name="TextBox 6"/>
+          <p:cNvSpPr txBox="1"/>
+          <p:nvPr/>
+        </p:nvSpPr>
+        <p:spPr>
+          <a:xfrm>
+            <a:off x="11152315" y="6331788"/>
+            <a:ext cx="803897" cy="446276"/>
+          </a:xfrm>
+          <a:prstGeom prst="rect">
+            <a:avLst/>
+          </a:prstGeom>
+          <a:noFill/>
+        </p:spPr>
+        <p:txBody>
+          <a:bodyPr wrap="square" rtlCol="0">
+            <a:spAutoFit/>
+          </a:bodyPr>
+          <a:lstStyle/>
+          <a:p>
+            <a:r>
+              <a:rPr lang="en-US" sz="2300" dirty="0" smtClean="0">
+                <a:solidFill>
+                  <a:srgbClr val="004065"/>
+                </a:solidFill>
+              </a:rPr>
+              <a:t>2020</a:t>
+            </a:r>
+            <a:endParaRPr lang="en-US" sz="2300" dirty="0">
+              <a:solidFill>
+                <a:srgbClr val="004065"/>
+              </a:solidFill>
+            </a:endParaRPr>
           </a:p>
         </p:txBody>
       </p:sp>
@@ -7842,40 +7784,42 @@
         </p:nvSpPr>
         <p:spPr>
           <a:xfrm>
-            <a:off x="0" y="-25638"/>
-            <a:ext cx="12192000" cy="946927"/>
-          </a:xfrm>
-        </p:spPr>
-        <p:txBody>
-          <a:bodyPr>
-            <a:normAutofit/>
-          </a:bodyPr>
+            <a:off x="77695" y="0"/>
+            <a:ext cx="12192000" cy="838200"/>
+          </a:xfrm>
+        </p:spPr>
+        <p:txBody>
+          <a:bodyPr/>
           <a:lstStyle/>
           <a:p>
             <a:r>
-              <a:rPr lang="en-US" sz="4000" dirty="0"/>
-              <a:t>Project details</a:t>
-            </a:r>
-            <a:endParaRPr lang="en-US" sz="1800" dirty="0"/>
-          </a:p>
-        </p:txBody>
-      </p:sp>
-      <p:sp>
-        <p:nvSpPr>
-          <p:cNvPr id="12" name="Rectangle 11">
+              <a:rPr lang="en-US" dirty="0" smtClean="0"/>
+              <a:t>Project Details </a:t>
+            </a:r>
+            <a:endParaRPr lang="en-US" dirty="0"/>
+          </a:p>
+        </p:txBody>
+      </p:sp>
+      <p:sp>
+        <p:nvSpPr>
+          <p:cNvPr id="4" name="Content Placeholder 3">
             <a:extLst>
               <a:ext uri="{FF2B5EF4-FFF2-40B4-BE49-F238E27FC236}">
-                <a16:creationId xmlns:a16="http://schemas.microsoft.com/office/drawing/2014/main" xmlns="" id="{C6B132E3-7ED3-45E1-9E1C-178B6D860E9F}"/>
+                <a16:creationId xmlns="" xmlns:a16="http://schemas.microsoft.com/office/drawing/2014/main" id="{C6B132E3-7ED3-45E1-9E1C-178B6D860E9F}"/>
               </a:ext>
             </a:extLst>
           </p:cNvPr>
-          <p:cNvSpPr/>
-          <p:nvPr/>
-        </p:nvSpPr>
-        <p:spPr>
-          <a:xfrm>
-            <a:off x="805543" y="1062113"/>
-            <a:ext cx="9997924" cy="2264692"/>
+          <p:cNvSpPr>
+            <a:spLocks noGrp="1"/>
+          </p:cNvSpPr>
+          <p:nvPr>
+            <p:ph idx="1"/>
+          </p:nvPr>
+        </p:nvSpPr>
+        <p:spPr>
+          <a:xfrm>
+            <a:off x="6285442" y="1298309"/>
+            <a:ext cx="5604934" cy="4152370"/>
           </a:xfrm>
           <a:prstGeom prst="rect">
             <a:avLst/>
@@ -7909,96 +7853,37 @@
           <a:bodyPr rtlCol="0" anchor="ctr"/>
           <a:lstStyle/>
           <a:p>
-            <a:pPr algn="ctr"/>
-            <a:endParaRPr lang="en-US"/>
-          </a:p>
-        </p:txBody>
-      </p:sp>
-      <p:sp>
-        <p:nvSpPr>
-          <p:cNvPr id="28" name="TextBox 27">
+            <a:pPr marL="0" marR="0" lvl="0" indent="0" defTabSz="914400" eaLnBrk="1" fontAlgn="auto" latinLnBrk="0" hangingPunct="1">
+              <a:lnSpc>
+                <a:spcPct val="100000"/>
+              </a:lnSpc>
+              <a:spcBef>
+                <a:spcPts val="0"/>
+              </a:spcBef>
+              <a:spcAft>
+                <a:spcPts val="0"/>
+              </a:spcAft>
+              <a:buClrTx/>
+              <a:buSzTx/>
+              <a:buFontTx/>
+              <a:buNone/>
+              <a:tabLst/>
+              <a:defRPr/>
+            </a:pPr>
+            <a:r>
+              <a:rPr lang="en-US" dirty="0" smtClean="0"/>
+              <a:t> </a:t>
+            </a:r>
+            <a:endParaRPr lang="en-US" dirty="0"/>
+          </a:p>
+        </p:txBody>
+      </p:sp>
+      <p:sp>
+        <p:nvSpPr>
+          <p:cNvPr id="5" name="Rectangle 4">
             <a:extLst>
               <a:ext uri="{FF2B5EF4-FFF2-40B4-BE49-F238E27FC236}">
-                <a16:creationId xmlns:a16="http://schemas.microsoft.com/office/drawing/2014/main" xmlns="" id="{8472D6E4-8B45-4B13-B90E-FF2A1F4D9422}"/>
-              </a:ext>
-            </a:extLst>
-          </p:cNvPr>
-          <p:cNvSpPr txBox="1"/>
-          <p:nvPr/>
-        </p:nvSpPr>
-        <p:spPr>
-          <a:xfrm>
-            <a:off x="1371601" y="1803358"/>
-            <a:ext cx="9303658" cy="461665"/>
-          </a:xfrm>
-          <a:prstGeom prst="rect">
-            <a:avLst/>
-          </a:prstGeom>
-          <a:noFill/>
-        </p:spPr>
-        <p:txBody>
-          <a:bodyPr wrap="square" rtlCol="0">
-            <a:spAutoFit/>
-          </a:bodyPr>
-          <a:lstStyle/>
-          <a:p>
-            <a:r>
-              <a:rPr lang="en-US" sz="2400" dirty="0"/>
-              <a:t>Acknowledge </a:t>
-            </a:r>
-            <a:r>
-              <a:rPr lang="en-US" sz="2400" dirty="0" smtClean="0"/>
-              <a:t>the </a:t>
-            </a:r>
-            <a:r>
-              <a:rPr lang="en-US" sz="2400" smtClean="0"/>
-              <a:t>project statement and app you were asked to create</a:t>
-            </a:r>
-            <a:endParaRPr lang="en-US" sz="2400" dirty="0"/>
-          </a:p>
-        </p:txBody>
-      </p:sp>
-      <p:sp>
-        <p:nvSpPr>
-          <p:cNvPr id="30" name="TextBox 29">
-            <a:extLst>
-              <a:ext uri="{FF2B5EF4-FFF2-40B4-BE49-F238E27FC236}">
-                <a16:creationId xmlns:a16="http://schemas.microsoft.com/office/drawing/2014/main" xmlns="" id="{15F335A3-235E-4A5C-ACC4-7B985A577EB8}"/>
-              </a:ext>
-            </a:extLst>
-          </p:cNvPr>
-          <p:cNvSpPr txBox="1"/>
-          <p:nvPr/>
-        </p:nvSpPr>
-        <p:spPr>
-          <a:xfrm>
-            <a:off x="1371601" y="3749583"/>
-            <a:ext cx="3962400" cy="461665"/>
-          </a:xfrm>
-          <a:prstGeom prst="rect">
-            <a:avLst/>
-          </a:prstGeom>
-          <a:noFill/>
-        </p:spPr>
-        <p:txBody>
-          <a:bodyPr wrap="square" rtlCol="0">
-            <a:spAutoFit/>
-          </a:bodyPr>
-          <a:lstStyle/>
-          <a:p>
-            <a:r>
-              <a:rPr lang="en-US" sz="2400" dirty="0"/>
-              <a:t>Other ?</a:t>
-            </a:r>
-          </a:p>
-        </p:txBody>
-      </p:sp>
-      <p:sp>
-        <p:nvSpPr>
-          <p:cNvPr id="14" name="Rectangle 13">
-            <a:extLst>
-              <a:ext uri="{FF2B5EF4-FFF2-40B4-BE49-F238E27FC236}">
-                <a16:creationId xmlns:a16="http://schemas.microsoft.com/office/drawing/2014/main" xmlns="" id="{C6B132E3-7ED3-45E1-9E1C-178B6D860E9F}"/>
+                <a16:creationId xmlns="" xmlns:a16="http://schemas.microsoft.com/office/drawing/2014/main" id="{C6B132E3-7ED3-45E1-9E1C-178B6D860E9F}"/>
               </a:ext>
             </a:extLst>
           </p:cNvPr>
@@ -8007,8 +7892,8 @@
         </p:nvSpPr>
         <p:spPr>
           <a:xfrm>
-            <a:off x="805543" y="3608759"/>
-            <a:ext cx="9997924" cy="2013108"/>
+            <a:off x="220143" y="1335879"/>
+            <a:ext cx="5604934" cy="4114800"/>
           </a:xfrm>
           <a:prstGeom prst="rect">
             <a:avLst/>
@@ -8049,10 +7934,278 @@
       </p:sp>
       <p:sp>
         <p:nvSpPr>
-          <p:cNvPr id="16" name="TextBox 15">
+          <p:cNvPr id="6" name="TextBox 5"/>
+          <p:cNvSpPr txBox="1"/>
+          <p:nvPr/>
+        </p:nvSpPr>
+        <p:spPr>
+          <a:xfrm>
+            <a:off x="1443038" y="2528888"/>
+            <a:ext cx="3171825" cy="923330"/>
+          </a:xfrm>
+          <a:prstGeom prst="rect">
+            <a:avLst/>
+          </a:prstGeom>
+          <a:noFill/>
+        </p:spPr>
+        <p:txBody>
+          <a:bodyPr wrap="square" rtlCol="0">
+            <a:spAutoFit/>
+          </a:bodyPr>
+          <a:lstStyle/>
+          <a:p>
+            <a:r>
+              <a:rPr lang="en-US" dirty="0" smtClean="0"/>
+              <a:t>Show </a:t>
+            </a:r>
+            <a:r>
+              <a:rPr lang="en-US" smtClean="0"/>
+              <a:t>screenshot of/ discuss </a:t>
+            </a:r>
+            <a:r>
+              <a:rPr lang="en-US" dirty="0" smtClean="0"/>
+              <a:t>user interface and any unique design elements</a:t>
+            </a:r>
+            <a:endParaRPr lang="en-US" dirty="0"/>
+          </a:p>
+        </p:txBody>
+      </p:sp>
+      <p:sp>
+        <p:nvSpPr>
+          <p:cNvPr id="7" name="TextBox 6"/>
+          <p:cNvSpPr txBox="1"/>
+          <p:nvPr/>
+        </p:nvSpPr>
+        <p:spPr>
+          <a:xfrm>
+            <a:off x="7681913" y="2527099"/>
+            <a:ext cx="3171825" cy="923330"/>
+          </a:xfrm>
+          <a:prstGeom prst="rect">
+            <a:avLst/>
+          </a:prstGeom>
+          <a:noFill/>
+        </p:spPr>
+        <p:txBody>
+          <a:bodyPr wrap="square" rtlCol="0">
+            <a:spAutoFit/>
+          </a:bodyPr>
+          <a:lstStyle/>
+          <a:p>
+            <a:r>
+              <a:rPr lang="en-US" dirty="0" smtClean="0"/>
+              <a:t>Show screenshot of/ discuss code blocks and specific functions used, if any </a:t>
+            </a:r>
+            <a:endParaRPr lang="en-US" dirty="0"/>
+          </a:p>
+        </p:txBody>
+      </p:sp>
+      <p:sp>
+        <p:nvSpPr>
+          <p:cNvPr id="9" name="Rectangle 8"/>
+          <p:cNvSpPr/>
+          <p:nvPr/>
+        </p:nvSpPr>
+        <p:spPr>
+          <a:xfrm>
+            <a:off x="11241633" y="6370897"/>
+            <a:ext cx="803897" cy="441415"/>
+          </a:xfrm>
+          <a:prstGeom prst="rect">
+            <a:avLst/>
+          </a:prstGeom>
+          <a:solidFill>
+            <a:schemeClr val="bg1"/>
+          </a:solidFill>
+          <a:ln>
+            <a:solidFill>
+              <a:schemeClr val="bg1"/>
+            </a:solidFill>
+          </a:ln>
+        </p:spPr>
+        <p:style>
+          <a:lnRef idx="2">
+            <a:schemeClr val="accent1">
+              <a:shade val="50000"/>
+            </a:schemeClr>
+          </a:lnRef>
+          <a:fillRef idx="1">
+            <a:schemeClr val="accent1"/>
+          </a:fillRef>
+          <a:effectRef idx="0">
+            <a:schemeClr val="accent1"/>
+          </a:effectRef>
+          <a:fontRef idx="minor">
+            <a:schemeClr val="lt1"/>
+          </a:fontRef>
+        </p:style>
+        <p:txBody>
+          <a:bodyPr rtlCol="0" anchor="ctr"/>
+          <a:lstStyle/>
+          <a:p>
+            <a:pPr algn="ctr"/>
+            <a:endParaRPr lang="en-US"/>
+          </a:p>
+        </p:txBody>
+      </p:sp>
+      <p:sp>
+        <p:nvSpPr>
+          <p:cNvPr id="8" name="TextBox 7"/>
+          <p:cNvSpPr txBox="1"/>
+          <p:nvPr/>
+        </p:nvSpPr>
+        <p:spPr>
+          <a:xfrm>
+            <a:off x="11207127" y="6331530"/>
+            <a:ext cx="803897" cy="446276"/>
+          </a:xfrm>
+          <a:prstGeom prst="rect">
+            <a:avLst/>
+          </a:prstGeom>
+          <a:noFill/>
+        </p:spPr>
+        <p:txBody>
+          <a:bodyPr wrap="square" rtlCol="0">
+            <a:spAutoFit/>
+          </a:bodyPr>
+          <a:lstStyle/>
+          <a:p>
+            <a:r>
+              <a:rPr lang="en-US" sz="2300" dirty="0" smtClean="0">
+                <a:solidFill>
+                  <a:srgbClr val="004065"/>
+                </a:solidFill>
+              </a:rPr>
+              <a:t>2020</a:t>
+            </a:r>
+            <a:endParaRPr lang="en-US" sz="2300" dirty="0">
+              <a:solidFill>
+                <a:srgbClr val="004065"/>
+              </a:solidFill>
+            </a:endParaRPr>
+          </a:p>
+        </p:txBody>
+      </p:sp>
+    </p:spTree>
+    <p:extLst>
+      <p:ext uri="{BB962C8B-B14F-4D97-AF65-F5344CB8AC3E}">
+        <p14:creationId xmlns:p14="http://schemas.microsoft.com/office/powerpoint/2010/main" val="479003824"/>
+      </p:ext>
+    </p:extLst>
+  </p:cSld>
+  <p:clrMapOvr>
+    <a:masterClrMapping/>
+  </p:clrMapOvr>
+</p:sld>
+</file>
+
+<file path=ppt/slides/slide4.xml><?xml version="1.0" encoding="utf-8"?>
+<p:sld xmlns:a="http://schemas.openxmlformats.org/drawingml/2006/main" xmlns:r="http://schemas.openxmlformats.org/officeDocument/2006/relationships" xmlns:p="http://schemas.openxmlformats.org/presentationml/2006/main">
+  <p:cSld>
+    <p:spTree>
+      <p:nvGrpSpPr>
+        <p:cNvPr id="1" name=""/>
+        <p:cNvGrpSpPr/>
+        <p:nvPr/>
+      </p:nvGrpSpPr>
+      <p:grpSpPr>
+        <a:xfrm>
+          <a:off x="0" y="0"/>
+          <a:ext cx="0" cy="0"/>
+          <a:chOff x="0" y="0"/>
+          <a:chExt cx="0" cy="0"/>
+        </a:xfrm>
+      </p:grpSpPr>
+      <p:sp>
+        <p:nvSpPr>
+          <p:cNvPr id="2" name="Title 1"/>
+          <p:cNvSpPr>
+            <a:spLocks noGrp="1"/>
+          </p:cNvSpPr>
+          <p:nvPr>
+            <p:ph type="title"/>
+          </p:nvPr>
+        </p:nvSpPr>
+        <p:spPr>
+          <a:xfrm>
+            <a:off x="0" y="-25638"/>
+            <a:ext cx="12192000" cy="946927"/>
+          </a:xfrm>
+        </p:spPr>
+        <p:txBody>
+          <a:bodyPr>
+            <a:normAutofit/>
+          </a:bodyPr>
+          <a:lstStyle/>
+          <a:p>
+            <a:r>
+              <a:rPr lang="en-US" sz="4000" dirty="0"/>
+              <a:t>Project details</a:t>
+            </a:r>
+            <a:endParaRPr lang="en-US" sz="1800" dirty="0"/>
+          </a:p>
+        </p:txBody>
+      </p:sp>
+      <p:sp>
+        <p:nvSpPr>
+          <p:cNvPr id="12" name="Rectangle 11">
             <a:extLst>
               <a:ext uri="{FF2B5EF4-FFF2-40B4-BE49-F238E27FC236}">
-                <a16:creationId xmlns:a16="http://schemas.microsoft.com/office/drawing/2014/main" xmlns="" id="{8472D6E4-8B45-4B13-B90E-FF2A1F4D9422}"/>
+                <a16:creationId xmlns="" xmlns:a16="http://schemas.microsoft.com/office/drawing/2014/main" id="{C6B132E3-7ED3-45E1-9E1C-178B6D860E9F}"/>
+              </a:ext>
+            </a:extLst>
+          </p:cNvPr>
+          <p:cNvSpPr/>
+          <p:nvPr/>
+        </p:nvSpPr>
+        <p:spPr>
+          <a:xfrm>
+            <a:off x="805543" y="1062112"/>
+            <a:ext cx="9997924" cy="2847889"/>
+          </a:xfrm>
+          <a:prstGeom prst="rect">
+            <a:avLst/>
+          </a:prstGeom>
+          <a:solidFill>
+            <a:schemeClr val="bg2"/>
+          </a:solidFill>
+          <a:ln>
+            <a:solidFill>
+              <a:srgbClr val="005581"/>
+            </a:solidFill>
+          </a:ln>
+        </p:spPr>
+        <p:style>
+          <a:lnRef idx="2">
+            <a:schemeClr val="accent1">
+              <a:shade val="50000"/>
+            </a:schemeClr>
+          </a:lnRef>
+          <a:fillRef idx="1">
+            <a:schemeClr val="accent1"/>
+          </a:fillRef>
+          <a:effectRef idx="0">
+            <a:schemeClr val="accent1"/>
+          </a:effectRef>
+          <a:fontRef idx="minor">
+            <a:schemeClr val="lt1"/>
+          </a:fontRef>
+        </p:style>
+        <p:txBody>
+          <a:bodyPr rtlCol="0" anchor="ctr"/>
+          <a:lstStyle/>
+          <a:p>
+            <a:pPr algn="ctr"/>
+            <a:endParaRPr lang="en-US"/>
+          </a:p>
+        </p:txBody>
+      </p:sp>
+      <p:sp>
+        <p:nvSpPr>
+          <p:cNvPr id="28" name="TextBox 27">
+            <a:extLst>
+              <a:ext uri="{FF2B5EF4-FFF2-40B4-BE49-F238E27FC236}">
+                <a16:creationId xmlns="" xmlns:a16="http://schemas.microsoft.com/office/drawing/2014/main" id="{8472D6E4-8B45-4B13-B90E-FF2A1F4D9422}"/>
               </a:ext>
             </a:extLst>
           </p:cNvPr>
@@ -8061,8 +8214,8 @@
         </p:nvSpPr>
         <p:spPr>
           <a:xfrm>
-            <a:off x="3562047" y="4199814"/>
-            <a:ext cx="4484916" cy="830997"/>
+            <a:off x="1371601" y="1803358"/>
+            <a:ext cx="9303658" cy="830997"/>
           </a:xfrm>
           <a:prstGeom prst="rect">
             <a:avLst/>
@@ -8077,6 +8230,105 @@
           <a:p>
             <a:pPr algn="ctr"/>
             <a:r>
+              <a:rPr lang="en-US" sz="2400" dirty="0" smtClean="0"/>
+              <a:t>How will you promote/implement your app if given an opportunity to? </a:t>
+            </a:r>
+            <a:r>
+              <a:rPr lang="en-US" sz="2400" dirty="0"/>
+              <a:t>d</a:t>
+            </a:r>
+            <a:r>
+              <a:rPr lang="en-US" sz="2400" dirty="0" smtClean="0"/>
+              <a:t>iscuss future use of app </a:t>
+            </a:r>
+            <a:endParaRPr lang="en-US" sz="2400" dirty="0"/>
+          </a:p>
+        </p:txBody>
+      </p:sp>
+      <p:sp>
+        <p:nvSpPr>
+          <p:cNvPr id="14" name="Rectangle 13">
+            <a:extLst>
+              <a:ext uri="{FF2B5EF4-FFF2-40B4-BE49-F238E27FC236}">
+                <a16:creationId xmlns="" xmlns:a16="http://schemas.microsoft.com/office/drawing/2014/main" id="{C6B132E3-7ED3-45E1-9E1C-178B6D860E9F}"/>
+              </a:ext>
+            </a:extLst>
+          </p:cNvPr>
+          <p:cNvSpPr/>
+          <p:nvPr/>
+        </p:nvSpPr>
+        <p:spPr>
+          <a:xfrm>
+            <a:off x="805543" y="4199813"/>
+            <a:ext cx="9997924" cy="1422053"/>
+          </a:xfrm>
+          <a:prstGeom prst="rect">
+            <a:avLst/>
+          </a:prstGeom>
+          <a:solidFill>
+            <a:schemeClr val="bg2"/>
+          </a:solidFill>
+          <a:ln>
+            <a:solidFill>
+              <a:srgbClr val="005581"/>
+            </a:solidFill>
+          </a:ln>
+        </p:spPr>
+        <p:style>
+          <a:lnRef idx="2">
+            <a:schemeClr val="accent1">
+              <a:shade val="50000"/>
+            </a:schemeClr>
+          </a:lnRef>
+          <a:fillRef idx="1">
+            <a:schemeClr val="accent1"/>
+          </a:fillRef>
+          <a:effectRef idx="0">
+            <a:schemeClr val="accent1"/>
+          </a:effectRef>
+          <a:fontRef idx="minor">
+            <a:schemeClr val="lt1"/>
+          </a:fontRef>
+        </p:style>
+        <p:txBody>
+          <a:bodyPr rtlCol="0" anchor="ctr"/>
+          <a:lstStyle/>
+          <a:p>
+            <a:pPr algn="ctr"/>
+            <a:endParaRPr lang="en-US"/>
+          </a:p>
+        </p:txBody>
+      </p:sp>
+      <p:sp>
+        <p:nvSpPr>
+          <p:cNvPr id="16" name="TextBox 15">
+            <a:extLst>
+              <a:ext uri="{FF2B5EF4-FFF2-40B4-BE49-F238E27FC236}">
+                <a16:creationId xmlns="" xmlns:a16="http://schemas.microsoft.com/office/drawing/2014/main" id="{8472D6E4-8B45-4B13-B90E-FF2A1F4D9422}"/>
+              </a:ext>
+            </a:extLst>
+          </p:cNvPr>
+          <p:cNvSpPr txBox="1"/>
+          <p:nvPr/>
+        </p:nvSpPr>
+        <p:spPr>
+          <a:xfrm>
+            <a:off x="3780972" y="4501058"/>
+            <a:ext cx="4484916" cy="830997"/>
+          </a:xfrm>
+          <a:prstGeom prst="rect">
+            <a:avLst/>
+          </a:prstGeom>
+          <a:noFill/>
+        </p:spPr>
+        <p:txBody>
+          <a:bodyPr wrap="square" rtlCol="0">
+            <a:spAutoFit/>
+          </a:bodyPr>
+          <a:lstStyle/>
+          <a:p>
+            <a:pPr algn="ctr"/>
+            <a:r>
               <a:rPr lang="en-US" sz="2400" dirty="0" err="1" smtClean="0"/>
               <a:t>Thunkable</a:t>
             </a:r>
@@ -8085,6 +8337,92 @@
               <a:t> link for demonstration of your app!</a:t>
             </a:r>
             <a:endParaRPr lang="en-US" sz="2400" dirty="0"/>
+          </a:p>
+        </p:txBody>
+      </p:sp>
+      <p:sp>
+        <p:nvSpPr>
+          <p:cNvPr id="5" name="Rectangle 4"/>
+          <p:cNvSpPr/>
+          <p:nvPr/>
+        </p:nvSpPr>
+        <p:spPr>
+          <a:xfrm flipV="1">
+            <a:off x="11233446" y="6417930"/>
+            <a:ext cx="803897" cy="276167"/>
+          </a:xfrm>
+          <a:prstGeom prst="rect">
+            <a:avLst/>
+          </a:prstGeom>
+          <a:solidFill>
+            <a:schemeClr val="bg1"/>
+          </a:solidFill>
+          <a:ln>
+            <a:solidFill>
+              <a:schemeClr val="bg1"/>
+            </a:solidFill>
+          </a:ln>
+        </p:spPr>
+        <p:style>
+          <a:lnRef idx="2">
+            <a:schemeClr val="accent1">
+              <a:shade val="50000"/>
+            </a:schemeClr>
+          </a:lnRef>
+          <a:fillRef idx="1">
+            <a:schemeClr val="accent1"/>
+          </a:fillRef>
+          <a:effectRef idx="0">
+            <a:schemeClr val="accent1"/>
+          </a:effectRef>
+          <a:fontRef idx="minor">
+            <a:schemeClr val="lt1"/>
+          </a:fontRef>
+        </p:style>
+        <p:txBody>
+          <a:bodyPr rtlCol="0" anchor="ctr"/>
+          <a:lstStyle/>
+          <a:p>
+            <a:pPr algn="ctr"/>
+            <a:endParaRPr lang="en-US"/>
+          </a:p>
+        </p:txBody>
+      </p:sp>
+      <p:sp>
+        <p:nvSpPr>
+          <p:cNvPr id="10" name="TextBox 9"/>
+          <p:cNvSpPr txBox="1"/>
+          <p:nvPr/>
+        </p:nvSpPr>
+        <p:spPr>
+          <a:xfrm>
+            <a:off x="11233445" y="6332875"/>
+            <a:ext cx="803897" cy="446276"/>
+          </a:xfrm>
+          <a:prstGeom prst="rect">
+            <a:avLst/>
+          </a:prstGeom>
+          <a:noFill/>
+        </p:spPr>
+        <p:txBody>
+          <a:bodyPr wrap="square" rtlCol="0">
+            <a:spAutoFit/>
+          </a:bodyPr>
+          <a:lstStyle/>
+          <a:p>
+            <a:r>
+              <a:rPr lang="en-US" sz="2300" dirty="0" smtClean="0">
+                <a:solidFill>
+                  <a:srgbClr val="004065"/>
+                </a:solidFill>
+              </a:rPr>
+              <a:t>2020</a:t>
+            </a:r>
+            <a:endParaRPr lang="en-US" sz="2300" dirty="0">
+              <a:solidFill>
+                <a:srgbClr val="004065"/>
+              </a:solidFill>
+            </a:endParaRPr>
           </a:p>
         </p:txBody>
       </p:sp>
